--- a/Homework_Keys/HW8/Part3.pptx
+++ b/Homework_Keys/HW8/Part3.pptx
@@ -260,7 +260,7 @@
           <a:p>
             <a:fld id="{2B06A736-FFD6-AD47-BD92-F2E9BFE7AD6C}" type="datetimeFigureOut">
               <a:rPr lang="en-US" smtClean="0"/>
-              <a:t>4/9/20</a:t>
+              <a:t>4/9/2020</a:t>
             </a:fld>
             <a:endParaRPr lang="en-US"/>
           </a:p>
@@ -430,7 +430,7 @@
           <a:p>
             <a:fld id="{2B06A736-FFD6-AD47-BD92-F2E9BFE7AD6C}" type="datetimeFigureOut">
               <a:rPr lang="en-US" smtClean="0"/>
-              <a:t>4/9/20</a:t>
+              <a:t>4/9/2020</a:t>
             </a:fld>
             <a:endParaRPr lang="en-US"/>
           </a:p>
@@ -610,7 +610,7 @@
           <a:p>
             <a:fld id="{2B06A736-FFD6-AD47-BD92-F2E9BFE7AD6C}" type="datetimeFigureOut">
               <a:rPr lang="en-US" smtClean="0"/>
-              <a:t>4/9/20</a:t>
+              <a:t>4/9/2020</a:t>
             </a:fld>
             <a:endParaRPr lang="en-US"/>
           </a:p>
@@ -780,7 +780,7 @@
           <a:p>
             <a:fld id="{2B06A736-FFD6-AD47-BD92-F2E9BFE7AD6C}" type="datetimeFigureOut">
               <a:rPr lang="en-US" smtClean="0"/>
-              <a:t>4/9/20</a:t>
+              <a:t>4/9/2020</a:t>
             </a:fld>
             <a:endParaRPr lang="en-US"/>
           </a:p>
@@ -1026,7 +1026,7 @@
           <a:p>
             <a:fld id="{2B06A736-FFD6-AD47-BD92-F2E9BFE7AD6C}" type="datetimeFigureOut">
               <a:rPr lang="en-US" smtClean="0"/>
-              <a:t>4/9/20</a:t>
+              <a:t>4/9/2020</a:t>
             </a:fld>
             <a:endParaRPr lang="en-US"/>
           </a:p>
@@ -1258,7 +1258,7 @@
           <a:p>
             <a:fld id="{2B06A736-FFD6-AD47-BD92-F2E9BFE7AD6C}" type="datetimeFigureOut">
               <a:rPr lang="en-US" smtClean="0"/>
-              <a:t>4/9/20</a:t>
+              <a:t>4/9/2020</a:t>
             </a:fld>
             <a:endParaRPr lang="en-US"/>
           </a:p>
@@ -1625,7 +1625,7 @@
           <a:p>
             <a:fld id="{2B06A736-FFD6-AD47-BD92-F2E9BFE7AD6C}" type="datetimeFigureOut">
               <a:rPr lang="en-US" smtClean="0"/>
-              <a:t>4/9/20</a:t>
+              <a:t>4/9/2020</a:t>
             </a:fld>
             <a:endParaRPr lang="en-US"/>
           </a:p>
@@ -1743,7 +1743,7 @@
           <a:p>
             <a:fld id="{2B06A736-FFD6-AD47-BD92-F2E9BFE7AD6C}" type="datetimeFigureOut">
               <a:rPr lang="en-US" smtClean="0"/>
-              <a:t>4/9/20</a:t>
+              <a:t>4/9/2020</a:t>
             </a:fld>
             <a:endParaRPr lang="en-US"/>
           </a:p>
@@ -1838,7 +1838,7 @@
           <a:p>
             <a:fld id="{2B06A736-FFD6-AD47-BD92-F2E9BFE7AD6C}" type="datetimeFigureOut">
               <a:rPr lang="en-US" smtClean="0"/>
-              <a:t>4/9/20</a:t>
+              <a:t>4/9/2020</a:t>
             </a:fld>
             <a:endParaRPr lang="en-US"/>
           </a:p>
@@ -2115,7 +2115,7 @@
           <a:p>
             <a:fld id="{2B06A736-FFD6-AD47-BD92-F2E9BFE7AD6C}" type="datetimeFigureOut">
               <a:rPr lang="en-US" smtClean="0"/>
-              <a:t>4/9/20</a:t>
+              <a:t>4/9/2020</a:t>
             </a:fld>
             <a:endParaRPr lang="en-US"/>
           </a:p>
@@ -2372,7 +2372,7 @@
           <a:p>
             <a:fld id="{2B06A736-FFD6-AD47-BD92-F2E9BFE7AD6C}" type="datetimeFigureOut">
               <a:rPr lang="en-US" smtClean="0"/>
-              <a:t>4/9/20</a:t>
+              <a:t>4/9/2020</a:t>
             </a:fld>
             <a:endParaRPr lang="en-US"/>
           </a:p>
@@ -2585,7 +2585,7 @@
           <a:p>
             <a:fld id="{2B06A736-FFD6-AD47-BD92-F2E9BFE7AD6C}" type="datetimeFigureOut">
               <a:rPr lang="en-US" smtClean="0"/>
-              <a:t>4/9/20</a:t>
+              <a:t>4/9/2020</a:t>
             </a:fld>
             <a:endParaRPr lang="en-US"/>
           </a:p>
@@ -3698,28 +3698,28 @@
       </p:pic>
       <p:pic>
         <p:nvPicPr>
-          <p:cNvPr id="7" name="Picture 6" descr="Head_at_Cell_1_7_7_Out_Phase.png"/>
+          <p:cNvPr id="9" name="Picture 8" descr="A close up of a logo&#10;&#10;Description automatically generated">
+            <a:extLst>
+              <a:ext uri="{FF2B5EF4-FFF2-40B4-BE49-F238E27FC236}">
+                <a16:creationId xmlns:a16="http://schemas.microsoft.com/office/drawing/2014/main" id="{98693CBA-AB95-413A-B937-27A84D7AC82D}"/>
+              </a:ext>
+            </a:extLst>
+          </p:cNvPr>
           <p:cNvPicPr>
             <a:picLocks noChangeAspect="1"/>
           </p:cNvPicPr>
           <p:nvPr/>
         </p:nvPicPr>
         <p:blipFill>
-          <a:blip r:embed="rId3">
-            <a:extLst>
-              <a:ext uri="{28A0092B-C50C-407E-A947-70E740481C1C}">
-                <a14:useLocalDpi xmlns:a14="http://schemas.microsoft.com/office/drawing/2010/main" val="0"/>
-              </a:ext>
-            </a:extLst>
-          </a:blip>
+          <a:blip r:embed="rId3"/>
           <a:stretch>
             <a:fillRect/>
           </a:stretch>
         </p:blipFill>
         <p:spPr>
           <a:xfrm>
-            <a:off x="6509818" y="2761786"/>
-            <a:ext cx="4843982" cy="3229321"/>
+            <a:off x="5852122" y="2658283"/>
+            <a:ext cx="4903317" cy="3531405"/>
           </a:xfrm>
           <a:prstGeom prst="rect">
             <a:avLst/>
